--- a/機械学習とは.pptx
+++ b/機械学習とは.pptx
@@ -271,7 +271,7 @@
           <a:p>
             <a:fld id="{031916E5-760A-AD4C-814A-4683A88068A0}" type="datetimeFigureOut">
               <a:rPr kumimoji="1" lang="ja-JP" altLang="en-US" smtClean="0"/>
-              <a:t>2022/2/24</a:t>
+              <a:t>2022/2/25</a:t>
             </a:fld>
             <a:endParaRPr kumimoji="1" lang="ja-JP" altLang="en-US"/>
           </a:p>
@@ -476,7 +476,7 @@
           <a:p>
             <a:fld id="{031916E5-760A-AD4C-814A-4683A88068A0}" type="datetimeFigureOut">
               <a:rPr kumimoji="1" lang="ja-JP" altLang="en-US" smtClean="0"/>
-              <a:t>2022/2/24</a:t>
+              <a:t>2022/2/25</a:t>
             </a:fld>
             <a:endParaRPr kumimoji="1" lang="ja-JP" altLang="en-US"/>
           </a:p>
@@ -691,7 +691,7 @@
           <a:p>
             <a:fld id="{031916E5-760A-AD4C-814A-4683A88068A0}" type="datetimeFigureOut">
               <a:rPr kumimoji="1" lang="ja-JP" altLang="en-US" smtClean="0"/>
-              <a:t>2022/2/24</a:t>
+              <a:t>2022/2/25</a:t>
             </a:fld>
             <a:endParaRPr kumimoji="1" lang="ja-JP" altLang="en-US"/>
           </a:p>
@@ -896,7 +896,7 @@
           <a:p>
             <a:fld id="{031916E5-760A-AD4C-814A-4683A88068A0}" type="datetimeFigureOut">
               <a:rPr kumimoji="1" lang="ja-JP" altLang="en-US" smtClean="0"/>
-              <a:t>2022/2/24</a:t>
+              <a:t>2022/2/25</a:t>
             </a:fld>
             <a:endParaRPr kumimoji="1" lang="ja-JP" altLang="en-US"/>
           </a:p>
@@ -1206,7 +1206,7 @@
           <a:p>
             <a:fld id="{031916E5-760A-AD4C-814A-4683A88068A0}" type="datetimeFigureOut">
               <a:rPr kumimoji="1" lang="ja-JP" altLang="en-US" smtClean="0"/>
-              <a:t>2022/2/24</a:t>
+              <a:t>2022/2/25</a:t>
             </a:fld>
             <a:endParaRPr kumimoji="1" lang="ja-JP" altLang="en-US"/>
           </a:p>
@@ -1485,7 +1485,7 @@
           <a:p>
             <a:fld id="{031916E5-760A-AD4C-814A-4683A88068A0}" type="datetimeFigureOut">
               <a:rPr kumimoji="1" lang="ja-JP" altLang="en-US" smtClean="0"/>
-              <a:t>2022/2/24</a:t>
+              <a:t>2022/2/25</a:t>
             </a:fld>
             <a:endParaRPr kumimoji="1" lang="ja-JP" altLang="en-US"/>
           </a:p>
@@ -1981,7 +1981,7 @@
           <a:p>
             <a:fld id="{031916E5-760A-AD4C-814A-4683A88068A0}" type="datetimeFigureOut">
               <a:rPr kumimoji="1" lang="ja-JP" altLang="en-US" smtClean="0"/>
-              <a:t>2022/2/24</a:t>
+              <a:t>2022/2/25</a:t>
             </a:fld>
             <a:endParaRPr kumimoji="1" lang="ja-JP" altLang="en-US"/>
           </a:p>
@@ -2122,7 +2122,7 @@
           <a:p>
             <a:fld id="{031916E5-760A-AD4C-814A-4683A88068A0}" type="datetimeFigureOut">
               <a:rPr kumimoji="1" lang="ja-JP" altLang="en-US" smtClean="0"/>
-              <a:t>2022/2/24</a:t>
+              <a:t>2022/2/25</a:t>
             </a:fld>
             <a:endParaRPr kumimoji="1" lang="ja-JP" altLang="en-US"/>
           </a:p>
@@ -2235,7 +2235,7 @@
           <a:p>
             <a:fld id="{031916E5-760A-AD4C-814A-4683A88068A0}" type="datetimeFigureOut">
               <a:rPr kumimoji="1" lang="ja-JP" altLang="en-US" smtClean="0"/>
-              <a:t>2022/2/24</a:t>
+              <a:t>2022/2/25</a:t>
             </a:fld>
             <a:endParaRPr kumimoji="1" lang="ja-JP" altLang="en-US"/>
           </a:p>
@@ -2588,7 +2588,7 @@
           <a:p>
             <a:fld id="{031916E5-760A-AD4C-814A-4683A88068A0}" type="datetimeFigureOut">
               <a:rPr kumimoji="1" lang="ja-JP" altLang="en-US" smtClean="0"/>
-              <a:t>2022/2/24</a:t>
+              <a:t>2022/2/25</a:t>
             </a:fld>
             <a:endParaRPr kumimoji="1" lang="ja-JP" altLang="en-US"/>
           </a:p>
@@ -2911,7 +2911,7 @@
           <a:p>
             <a:fld id="{031916E5-760A-AD4C-814A-4683A88068A0}" type="datetimeFigureOut">
               <a:rPr kumimoji="1" lang="ja-JP" altLang="en-US" smtClean="0"/>
-              <a:t>2022/2/24</a:t>
+              <a:t>2022/2/25</a:t>
             </a:fld>
             <a:endParaRPr kumimoji="1" lang="ja-JP" altLang="en-US"/>
           </a:p>
@@ -3159,7 +3159,7 @@
           <a:p>
             <a:fld id="{031916E5-760A-AD4C-814A-4683A88068A0}" type="datetimeFigureOut">
               <a:rPr kumimoji="1" lang="ja-JP" altLang="en-US" smtClean="0"/>
-              <a:t>2022/2/24</a:t>
+              <a:t>2022/2/25</a:t>
             </a:fld>
             <a:endParaRPr kumimoji="1" lang="ja-JP" altLang="en-US"/>
           </a:p>
@@ -5527,78 +5527,6 @@
                 <a:ea typeface="Meiryo" panose="020B0604030504040204" pitchFamily="34" charset="-128"/>
               </a:rPr>
               <a:t>を予測</a:t>
-            </a:r>
-          </a:p>
-        </p:txBody>
-      </p:sp>
-      <p:sp>
-        <p:nvSpPr>
-          <p:cNvPr id="9" name="テキスト ボックス 8">
-            <a:extLst>
-              <a:ext uri="{FF2B5EF4-FFF2-40B4-BE49-F238E27FC236}">
-                <a16:creationId xmlns:a16="http://schemas.microsoft.com/office/drawing/2014/main" id="{0E7DC941-241D-9848-A01C-5C879245F836}"/>
-              </a:ext>
-            </a:extLst>
-          </p:cNvPr>
-          <p:cNvSpPr txBox="1"/>
-          <p:nvPr/>
-        </p:nvSpPr>
-        <p:spPr>
-          <a:xfrm>
-            <a:off x="592731" y="6167140"/>
-            <a:ext cx="11006539" cy="584775"/>
-          </a:xfrm>
-          <a:prstGeom prst="rect">
-            <a:avLst/>
-          </a:prstGeom>
-          <a:solidFill>
-            <a:srgbClr val="FFFF00"/>
-          </a:solidFill>
-          <a:ln>
-            <a:solidFill>
-              <a:schemeClr val="tx1"/>
-            </a:solidFill>
-          </a:ln>
-        </p:spPr>
-        <p:txBody>
-          <a:bodyPr wrap="none" rtlCol="0">
-            <a:spAutoFit/>
-          </a:bodyPr>
-          <a:lstStyle/>
-          <a:p>
-            <a:r>
-              <a:rPr kumimoji="1" lang="ja-JP" altLang="en-US" sz="3200">
-                <a:latin typeface="Meiryo" panose="020B0604030504040204" pitchFamily="34" charset="-128"/>
-                <a:ea typeface="Meiryo" panose="020B0604030504040204" pitchFamily="34" charset="-128"/>
-              </a:rPr>
-              <a:t>今回の発表は</a:t>
-            </a:r>
-            <a:r>
-              <a:rPr kumimoji="1" lang="en-US" altLang="ja-JP" sz="3200" dirty="0" err="1">
-                <a:solidFill>
-                  <a:srgbClr val="FF0000"/>
-                </a:solidFill>
-                <a:latin typeface="Meiryo" panose="020B0604030504040204" pitchFamily="34" charset="-128"/>
-                <a:ea typeface="Meiryo" panose="020B0604030504040204" pitchFamily="34" charset="-128"/>
-              </a:rPr>
-              <a:t>CatBoost</a:t>
-            </a:r>
-            <a:r>
-              <a:rPr kumimoji="1" lang="ja-JP" altLang="en-US" sz="3200">
-                <a:solidFill>
-                  <a:srgbClr val="FF0000"/>
-                </a:solidFill>
-                <a:latin typeface="Meiryo" panose="020B0604030504040204" pitchFamily="34" charset="-128"/>
-                <a:ea typeface="Meiryo" panose="020B0604030504040204" pitchFamily="34" charset="-128"/>
-              </a:rPr>
-              <a:t>を用いた回帰</a:t>
-            </a:r>
-            <a:r>
-              <a:rPr kumimoji="1" lang="ja-JP" altLang="en-US" sz="3200">
-                <a:latin typeface="Meiryo" panose="020B0604030504040204" pitchFamily="34" charset="-128"/>
-                <a:ea typeface="Meiryo" panose="020B0604030504040204" pitchFamily="34" charset="-128"/>
-              </a:rPr>
-              <a:t>ということになります</a:t>
             </a:r>
           </a:p>
         </p:txBody>
